--- a/Mid-term slides.pptx
+++ b/Mid-term slides.pptx
@@ -15,7 +15,8 @@
     <p:sldId id="263" r:id="rId9"/>
     <p:sldId id="264" r:id="rId10"/>
     <p:sldId id="265" r:id="rId11"/>
-    <p:sldId id="266" r:id="rId12"/>
+    <p:sldId id="267" r:id="rId12"/>
+    <p:sldId id="266" r:id="rId13"/>
   </p:sldIdLst>
   <p:sldSz cx="9144000" cy="6858000" type="screen4x3"/>
   <p:notesSz cx="6858000" cy="9144000"/>
@@ -3216,9 +3217,22 @@
           <a:bodyPr/>
           <a:lstStyle/>
           <a:p>
+            <a:pPr marL="0" indent="0">
+              <a:buNone/>
+            </a:pPr>
+            <a:r>
+              <a:rPr lang="en-US" sz="1800" dirty="0" smtClean="0"/>
+              <a:t>Count how many books were published each year</a:t>
+            </a:r>
+          </a:p>
+          <a:p>
+            <a:r>
+              <a:rPr lang="en-US" sz="1800" dirty="0" smtClean="0"/>
+              <a:t>hive</a:t>
+            </a:r>
             <a:r>
               <a:rPr lang="en-US" sz="1800" dirty="0"/>
-              <a:t>hive&gt; </a:t>
+              <a:t>&gt; </a:t>
             </a:r>
             <a:r>
               <a:rPr lang="en-US" sz="1800" b="1" dirty="0"/>
@@ -3256,6 +3270,12 @@
               <a:rPr lang="en-US" sz="1800" b="1" dirty="0" smtClean="0"/>
               <a:t>;</a:t>
             </a:r>
+          </a:p>
+          <a:p>
+            <a:pPr marL="0" indent="0">
+              <a:buNone/>
+            </a:pPr>
+            <a:endParaRPr lang="en-US" sz="1800" b="1" dirty="0" smtClean="0"/>
           </a:p>
           <a:p>
             <a:endParaRPr lang="en-US" sz="1800" b="1" dirty="0"/>
@@ -3290,7 +3310,7 @@
         </p:blipFill>
         <p:spPr>
           <a:xfrm>
-            <a:off x="0" y="1143000"/>
+            <a:off x="0" y="1305800"/>
             <a:ext cx="8997468" cy="5715000"/>
           </a:xfrm>
           <a:prstGeom prst="rect">
@@ -3330,6 +3350,100 @@
       </p:grpSpPr>
       <p:sp>
         <p:nvSpPr>
+          <p:cNvPr id="3" name="Content Placeholder 2"/>
+          <p:cNvSpPr>
+            <a:spLocks noGrp="1"/>
+          </p:cNvSpPr>
+          <p:nvPr>
+            <p:ph idx="1"/>
+          </p:nvPr>
+        </p:nvSpPr>
+        <p:spPr>
+          <a:xfrm>
+            <a:off x="180417" y="167549"/>
+            <a:ext cx="8229600" cy="4525963"/>
+          </a:xfrm>
+        </p:spPr>
+        <p:txBody>
+          <a:bodyPr>
+            <a:normAutofit/>
+          </a:bodyPr>
+          <a:lstStyle/>
+          <a:p>
+            <a:r>
+              <a:rPr lang="en-US" sz="1800" dirty="0" smtClean="0"/>
+              <a:t>Only show years when total books # published are bigger </a:t>
+            </a:r>
+            <a:r>
+              <a:rPr lang="en-US" sz="1800" smtClean="0"/>
+              <a:t>than 1000</a:t>
+            </a:r>
+            <a:endParaRPr lang="en-US" sz="1800" dirty="0" smtClean="0"/>
+          </a:p>
+        </p:txBody>
+      </p:sp>
+      <p:pic>
+        <p:nvPicPr>
+          <p:cNvPr id="5" name="Picture 4" descr="Screen Shot 2013-10-28 at 4.30.51 PM.png"/>
+          <p:cNvPicPr>
+            <a:picLocks noChangeAspect="1"/>
+          </p:cNvPicPr>
+          <p:nvPr/>
+        </p:nvPicPr>
+        <p:blipFill>
+          <a:blip r:embed="rId2">
+            <a:extLst>
+              <a:ext uri="{28A0092B-C50C-407E-A947-70E740481C1C}">
+                <a14:useLocalDpi xmlns:a14="http://schemas.microsoft.com/office/drawing/2010/main" val="0"/>
+              </a:ext>
+            </a:extLst>
+          </a:blip>
+          <a:stretch>
+            <a:fillRect/>
+          </a:stretch>
+        </p:blipFill>
+        <p:spPr>
+          <a:xfrm>
+            <a:off x="0" y="864542"/>
+            <a:ext cx="9144000" cy="6286500"/>
+          </a:xfrm>
+          <a:prstGeom prst="rect">
+            <a:avLst/>
+          </a:prstGeom>
+        </p:spPr>
+      </p:pic>
+    </p:spTree>
+    <p:extLst>
+      <p:ext uri="{BB962C8B-B14F-4D97-AF65-F5344CB8AC3E}">
+        <p14:creationId xmlns:p14="http://schemas.microsoft.com/office/powerpoint/2010/main" val="1510004362"/>
+      </p:ext>
+    </p:extLst>
+  </p:cSld>
+  <p:clrMapOvr>
+    <a:masterClrMapping/>
+  </p:clrMapOvr>
+</p:sld>
+</file>
+
+<file path=ppt/slides/slide12.xml><?xml version="1.0" encoding="utf-8"?>
+<p:sld xmlns:a="http://schemas.openxmlformats.org/drawingml/2006/main" xmlns:r="http://schemas.openxmlformats.org/officeDocument/2006/relationships" xmlns:p="http://schemas.openxmlformats.org/presentationml/2006/main">
+  <p:cSld>
+    <p:spTree>
+      <p:nvGrpSpPr>
+        <p:cNvPr id="1" name=""/>
+        <p:cNvGrpSpPr/>
+        <p:nvPr/>
+      </p:nvGrpSpPr>
+      <p:grpSpPr>
+        <a:xfrm>
+          <a:off x="0" y="0"/>
+          <a:ext cx="0" cy="0"/>
+          <a:chOff x="0" y="0"/>
+          <a:chExt cx="0" cy="0"/>
+        </a:xfrm>
+      </p:grpSpPr>
+      <p:sp>
+        <p:nvSpPr>
           <p:cNvPr id="2" name="Title 1"/>
           <p:cNvSpPr>
             <a:spLocks noGrp="1"/>
@@ -4348,11 +4462,7 @@
           <a:p>
             <a:r>
               <a:rPr lang="en-US" dirty="0" smtClean="0"/>
-              <a:t>Datasets </a:t>
-            </a:r>
-            <a:r>
-              <a:rPr lang="en-US" dirty="0" smtClean="0"/>
-              <a:t>(CSV format) </a:t>
+              <a:t>Datasets (CSV format) </a:t>
             </a:r>
           </a:p>
           <a:p>
@@ -4645,13 +4755,8 @@
           <a:p>
             <a:r>
               <a:rPr lang="en-US" sz="5000" dirty="0" smtClean="0"/>
-              <a:t>Run hive and create </a:t>
-            </a:r>
-            <a:r>
-              <a:rPr lang="en-US" sz="5000" dirty="0" smtClean="0"/>
-              <a:t>table for datasets</a:t>
-            </a:r>
-            <a:endParaRPr lang="en-US" sz="5000" dirty="0" smtClean="0"/>
+              <a:t>Run hive and create table for datasets</a:t>
+            </a:r>
           </a:p>
           <a:p>
             <a:r>

--- a/Mid-term slides.pptx
+++ b/Mid-term slides.pptx
@@ -16,7 +16,10 @@
     <p:sldId id="264" r:id="rId10"/>
     <p:sldId id="265" r:id="rId11"/>
     <p:sldId id="267" r:id="rId12"/>
-    <p:sldId id="266" r:id="rId13"/>
+    <p:sldId id="268" r:id="rId13"/>
+    <p:sldId id="269" r:id="rId14"/>
+    <p:sldId id="270" r:id="rId15"/>
+    <p:sldId id="266" r:id="rId16"/>
   </p:sldIdLst>
   <p:sldSz cx="9144000" cy="6858000" type="screen4x3"/>
   <p:notesSz cx="6858000" cy="9144000"/>
@@ -299,7 +302,7 @@
           <a:p>
             <a:fld id="{C69D412A-A227-C144-92FC-5A9CF66285DD}" type="datetimeFigureOut">
               <a:rPr lang="en-US" smtClean="0"/>
-              <a:t>10/28/13</a:t>
+              <a:t>11/4/13</a:t>
             </a:fld>
             <a:endParaRPr lang="en-US"/>
           </a:p>
@@ -469,7 +472,7 @@
           <a:p>
             <a:fld id="{C69D412A-A227-C144-92FC-5A9CF66285DD}" type="datetimeFigureOut">
               <a:rPr lang="en-US" smtClean="0"/>
-              <a:t>10/28/13</a:t>
+              <a:t>11/4/13</a:t>
             </a:fld>
             <a:endParaRPr lang="en-US"/>
           </a:p>
@@ -649,7 +652,7 @@
           <a:p>
             <a:fld id="{C69D412A-A227-C144-92FC-5A9CF66285DD}" type="datetimeFigureOut">
               <a:rPr lang="en-US" smtClean="0"/>
-              <a:t>10/28/13</a:t>
+              <a:t>11/4/13</a:t>
             </a:fld>
             <a:endParaRPr lang="en-US"/>
           </a:p>
@@ -819,7 +822,7 @@
           <a:p>
             <a:fld id="{C69D412A-A227-C144-92FC-5A9CF66285DD}" type="datetimeFigureOut">
               <a:rPr lang="en-US" smtClean="0"/>
-              <a:t>10/28/13</a:t>
+              <a:t>11/4/13</a:t>
             </a:fld>
             <a:endParaRPr lang="en-US"/>
           </a:p>
@@ -1065,7 +1068,7 @@
           <a:p>
             <a:fld id="{C69D412A-A227-C144-92FC-5A9CF66285DD}" type="datetimeFigureOut">
               <a:rPr lang="en-US" smtClean="0"/>
-              <a:t>10/28/13</a:t>
+              <a:t>11/4/13</a:t>
             </a:fld>
             <a:endParaRPr lang="en-US"/>
           </a:p>
@@ -1353,7 +1356,7 @@
           <a:p>
             <a:fld id="{C69D412A-A227-C144-92FC-5A9CF66285DD}" type="datetimeFigureOut">
               <a:rPr lang="en-US" smtClean="0"/>
-              <a:t>10/28/13</a:t>
+              <a:t>11/4/13</a:t>
             </a:fld>
             <a:endParaRPr lang="en-US"/>
           </a:p>
@@ -1775,7 +1778,7 @@
           <a:p>
             <a:fld id="{C69D412A-A227-C144-92FC-5A9CF66285DD}" type="datetimeFigureOut">
               <a:rPr lang="en-US" smtClean="0"/>
-              <a:t>10/28/13</a:t>
+              <a:t>11/4/13</a:t>
             </a:fld>
             <a:endParaRPr lang="en-US"/>
           </a:p>
@@ -1893,7 +1896,7 @@
           <a:p>
             <a:fld id="{C69D412A-A227-C144-92FC-5A9CF66285DD}" type="datetimeFigureOut">
               <a:rPr lang="en-US" smtClean="0"/>
-              <a:t>10/28/13</a:t>
+              <a:t>11/4/13</a:t>
             </a:fld>
             <a:endParaRPr lang="en-US"/>
           </a:p>
@@ -1988,7 +1991,7 @@
           <a:p>
             <a:fld id="{C69D412A-A227-C144-92FC-5A9CF66285DD}" type="datetimeFigureOut">
               <a:rPr lang="en-US" smtClean="0"/>
-              <a:t>10/28/13</a:t>
+              <a:t>11/4/13</a:t>
             </a:fld>
             <a:endParaRPr lang="en-US"/>
           </a:p>
@@ -2265,7 +2268,7 @@
           <a:p>
             <a:fld id="{C69D412A-A227-C144-92FC-5A9CF66285DD}" type="datetimeFigureOut">
               <a:rPr lang="en-US" smtClean="0"/>
-              <a:t>10/28/13</a:t>
+              <a:t>11/4/13</a:t>
             </a:fld>
             <a:endParaRPr lang="en-US"/>
           </a:p>
@@ -2518,7 +2521,7 @@
           <a:p>
             <a:fld id="{C69D412A-A227-C144-92FC-5A9CF66285DD}" type="datetimeFigureOut">
               <a:rPr lang="en-US" smtClean="0"/>
-              <a:t>10/28/13</a:t>
+              <a:t>11/4/13</a:t>
             </a:fld>
             <a:endParaRPr lang="en-US"/>
           </a:p>
@@ -2731,7 +2734,7 @@
           <a:p>
             <a:fld id="{C69D412A-A227-C144-92FC-5A9CF66285DD}" type="datetimeFigureOut">
               <a:rPr lang="en-US" smtClean="0"/>
-              <a:t>10/28/13</a:t>
+              <a:t>11/4/13</a:t>
             </a:fld>
             <a:endParaRPr lang="en-US"/>
           </a:p>
@@ -3360,8 +3363,8 @@
         </p:nvSpPr>
         <p:spPr>
           <a:xfrm>
-            <a:off x="180417" y="167549"/>
-            <a:ext cx="8229600" cy="4525963"/>
+            <a:off x="180417" y="21029"/>
+            <a:ext cx="8229600" cy="1900026"/>
           </a:xfrm>
         </p:spPr>
         <p:txBody>
@@ -3372,12 +3375,81 @@
           <a:p>
             <a:r>
               <a:rPr lang="en-US" sz="1800" dirty="0" smtClean="0"/>
-              <a:t>Only show years when total books # published are bigger </a:t>
-            </a:r>
-            <a:r>
-              <a:rPr lang="en-US" sz="1800" smtClean="0"/>
-              <a:t>than 1000</a:t>
-            </a:r>
+              <a:t>Only show years when total books # published are bigger than </a:t>
+            </a:r>
+            <a:r>
+              <a:rPr lang="en-US" sz="1800" dirty="0" smtClean="0"/>
+              <a:t>1000</a:t>
+            </a:r>
+          </a:p>
+          <a:p>
+            <a:r>
+              <a:rPr lang="en-US" sz="1800" dirty="0"/>
+              <a:t>select  * from(</a:t>
+            </a:r>
+          </a:p>
+          <a:p>
+            <a:r>
+              <a:rPr lang="en-US" sz="1800" dirty="0"/>
+              <a:t> select </a:t>
+            </a:r>
+            <a:r>
+              <a:rPr lang="en-US" sz="1800" dirty="0" err="1"/>
+              <a:t>yearofpublication</a:t>
+            </a:r>
+            <a:r>
+              <a:rPr lang="en-US" sz="1800" dirty="0"/>
+              <a:t>, count(</a:t>
+            </a:r>
+            <a:r>
+              <a:rPr lang="en-US" sz="1800" dirty="0" err="1"/>
+              <a:t>booktitle</a:t>
+            </a:r>
+            <a:r>
+              <a:rPr lang="en-US" sz="1800" dirty="0"/>
+              <a:t>) </a:t>
+            </a:r>
+            <a:r>
+              <a:rPr lang="en-US" sz="1800" dirty="0" err="1"/>
+              <a:t>row_number</a:t>
+            </a:r>
+            <a:r>
+              <a:rPr lang="en-US" sz="1800" dirty="0"/>
+              <a:t>  from </a:t>
+            </a:r>
+            <a:r>
+              <a:rPr lang="en-US" sz="1800" dirty="0" err="1"/>
+              <a:t>bxdataset</a:t>
+            </a:r>
+            <a:r>
+              <a:rPr lang="en-US" sz="1800" dirty="0"/>
+              <a:t> group by </a:t>
+            </a:r>
+            <a:r>
+              <a:rPr lang="en-US" sz="1800" dirty="0" err="1"/>
+              <a:t>yearofpublication</a:t>
+            </a:r>
+            <a:r>
+              <a:rPr lang="en-US" sz="1800" dirty="0"/>
+              <a:t>) A</a:t>
+            </a:r>
+          </a:p>
+          <a:p>
+            <a:r>
+              <a:rPr lang="en-US" sz="1800" dirty="0"/>
+              <a:t>where </a:t>
+            </a:r>
+            <a:r>
+              <a:rPr lang="en-US" sz="1800" dirty="0" err="1"/>
+              <a:t>row_number</a:t>
+            </a:r>
+            <a:r>
+              <a:rPr lang="en-US" sz="1800" dirty="0"/>
+              <a:t> &gt; 1000;</a:t>
+            </a:r>
+            <a:endParaRPr lang="en-US" sz="1800" dirty="0" smtClean="0"/>
+          </a:p>
+          <a:p>
             <a:endParaRPr lang="en-US" sz="1800" dirty="0" smtClean="0"/>
           </a:p>
         </p:txBody>
@@ -3404,8 +3476,8 @@
         </p:blipFill>
         <p:spPr>
           <a:xfrm>
-            <a:off x="0" y="864542"/>
-            <a:ext cx="9144000" cy="6286500"/>
+            <a:off x="180417" y="1574663"/>
+            <a:ext cx="8963583" cy="6162463"/>
           </a:xfrm>
           <a:prstGeom prst="rect">
             <a:avLst/>
@@ -3426,6 +3498,439 @@
 </file>
 
 <file path=ppt/slides/slide12.xml><?xml version="1.0" encoding="utf-8"?>
+<p:sld xmlns:a="http://schemas.openxmlformats.org/drawingml/2006/main" xmlns:r="http://schemas.openxmlformats.org/officeDocument/2006/relationships" xmlns:p="http://schemas.openxmlformats.org/presentationml/2006/main">
+  <p:cSld>
+    <p:spTree>
+      <p:nvGrpSpPr>
+        <p:cNvPr id="1" name=""/>
+        <p:cNvGrpSpPr/>
+        <p:nvPr/>
+      </p:nvGrpSpPr>
+      <p:grpSpPr>
+        <a:xfrm>
+          <a:off x="0" y="0"/>
+          <a:ext cx="0" cy="0"/>
+          <a:chOff x="0" y="0"/>
+          <a:chExt cx="0" cy="0"/>
+        </a:xfrm>
+      </p:grpSpPr>
+      <p:sp>
+        <p:nvSpPr>
+          <p:cNvPr id="2" name="Title 1"/>
+          <p:cNvSpPr>
+            <a:spLocks noGrp="1"/>
+          </p:cNvSpPr>
+          <p:nvPr>
+            <p:ph type="title"/>
+          </p:nvPr>
+        </p:nvSpPr>
+        <p:spPr/>
+        <p:txBody>
+          <a:bodyPr/>
+          <a:lstStyle/>
+          <a:p>
+            <a:r>
+              <a:rPr lang="en-US" dirty="0" smtClean="0"/>
+              <a:t>User-defined functions</a:t>
+            </a:r>
+            <a:endParaRPr lang="en-US" dirty="0"/>
+          </a:p>
+        </p:txBody>
+      </p:sp>
+      <p:pic>
+        <p:nvPicPr>
+          <p:cNvPr id="6" name="Content Placeholder 5" descr="Screen Shot 2013-11-04 at 1.30.38 PM.png"/>
+          <p:cNvPicPr>
+            <a:picLocks noGrp="1" noChangeAspect="1"/>
+          </p:cNvPicPr>
+          <p:nvPr>
+            <p:ph idx="1"/>
+          </p:nvPr>
+        </p:nvPicPr>
+        <p:blipFill>
+          <a:blip r:embed="rId2">
+            <a:extLst>
+              <a:ext uri="{28A0092B-C50C-407E-A947-70E740481C1C}">
+                <a14:useLocalDpi xmlns:a14="http://schemas.microsoft.com/office/drawing/2010/main" val="0"/>
+              </a:ext>
+            </a:extLst>
+          </a:blip>
+          <a:srcRect t="6003" b="6003"/>
+          <a:stretch>
+            <a:fillRect/>
+          </a:stretch>
+        </p:blipFill>
+        <p:spPr>
+          <a:xfrm>
+            <a:off x="235633" y="1173436"/>
+            <a:ext cx="8908367" cy="5436292"/>
+          </a:xfrm>
+        </p:spPr>
+      </p:pic>
+    </p:spTree>
+    <p:extLst>
+      <p:ext uri="{BB962C8B-B14F-4D97-AF65-F5344CB8AC3E}">
+        <p14:creationId xmlns:p14="http://schemas.microsoft.com/office/powerpoint/2010/main" val="2470315052"/>
+      </p:ext>
+    </p:extLst>
+  </p:cSld>
+  <p:clrMapOvr>
+    <a:masterClrMapping/>
+  </p:clrMapOvr>
+</p:sld>
+</file>
+
+<file path=ppt/slides/slide13.xml><?xml version="1.0" encoding="utf-8"?>
+<p:sld xmlns:a="http://schemas.openxmlformats.org/drawingml/2006/main" xmlns:r="http://schemas.openxmlformats.org/officeDocument/2006/relationships" xmlns:p="http://schemas.openxmlformats.org/presentationml/2006/main">
+  <p:cSld>
+    <p:spTree>
+      <p:nvGrpSpPr>
+        <p:cNvPr id="1" name=""/>
+        <p:cNvGrpSpPr/>
+        <p:nvPr/>
+      </p:nvGrpSpPr>
+      <p:grpSpPr>
+        <a:xfrm>
+          <a:off x="0" y="0"/>
+          <a:ext cx="0" cy="0"/>
+          <a:chOff x="0" y="0"/>
+          <a:chExt cx="0" cy="0"/>
+        </a:xfrm>
+      </p:grpSpPr>
+      <p:sp>
+        <p:nvSpPr>
+          <p:cNvPr id="2" name="Title 1"/>
+          <p:cNvSpPr>
+            <a:spLocks noGrp="1"/>
+          </p:cNvSpPr>
+          <p:nvPr>
+            <p:ph type="title"/>
+          </p:nvPr>
+        </p:nvSpPr>
+        <p:spPr/>
+        <p:txBody>
+          <a:bodyPr/>
+          <a:lstStyle/>
+          <a:p>
+            <a:r>
+              <a:rPr lang="en-US" dirty="0" smtClean="0"/>
+              <a:t>Test3.sql</a:t>
+            </a:r>
+            <a:endParaRPr lang="en-US" dirty="0"/>
+          </a:p>
+        </p:txBody>
+      </p:sp>
+      <p:sp>
+        <p:nvSpPr>
+          <p:cNvPr id="5" name="Content Placeholder 4"/>
+          <p:cNvSpPr>
+            <a:spLocks noGrp="1"/>
+          </p:cNvSpPr>
+          <p:nvPr>
+            <p:ph idx="1"/>
+          </p:nvPr>
+        </p:nvSpPr>
+        <p:spPr/>
+        <p:txBody>
+          <a:bodyPr>
+            <a:normAutofit fontScale="70000" lnSpcReduction="20000"/>
+          </a:bodyPr>
+          <a:lstStyle/>
+          <a:p>
+            <a:r>
+              <a:rPr lang="en-US" dirty="0"/>
+              <a:t>add jar /home/</a:t>
+            </a:r>
+            <a:r>
+              <a:rPr lang="en-US" dirty="0" err="1"/>
+              <a:t>idcuser</a:t>
+            </a:r>
+            <a:r>
+              <a:rPr lang="en-US" dirty="0"/>
+              <a:t>/</a:t>
+            </a:r>
+            <a:r>
+              <a:rPr lang="en-US" dirty="0" err="1"/>
+              <a:t>rank.jar</a:t>
+            </a:r>
+            <a:r>
+              <a:rPr lang="en-US" dirty="0"/>
+              <a:t>;</a:t>
+            </a:r>
+          </a:p>
+          <a:p>
+            <a:r>
+              <a:rPr lang="en-US" dirty="0"/>
+              <a:t>create temporary function rank as '</a:t>
+            </a:r>
+            <a:r>
+              <a:rPr lang="en-US" dirty="0" err="1"/>
+              <a:t>com.example.hive.udf.Rank</a:t>
+            </a:r>
+            <a:r>
+              <a:rPr lang="en-US" dirty="0"/>
+              <a:t>';</a:t>
+            </a:r>
+          </a:p>
+          <a:p>
+            <a:r>
+              <a:rPr lang="en-US" dirty="0"/>
+              <a:t>select </a:t>
+            </a:r>
+            <a:r>
+              <a:rPr lang="en-US" dirty="0" err="1"/>
+              <a:t>yearofpublication</a:t>
+            </a:r>
+            <a:r>
+              <a:rPr lang="en-US" dirty="0"/>
+              <a:t>, </a:t>
+            </a:r>
+            <a:r>
+              <a:rPr lang="en-US" dirty="0" err="1"/>
+              <a:t>booktitle</a:t>
+            </a:r>
+            <a:r>
+              <a:rPr lang="en-US" dirty="0"/>
+              <a:t>, </a:t>
+            </a:r>
+            <a:r>
+              <a:rPr lang="en-US" dirty="0" err="1"/>
+              <a:t>row_number</a:t>
+            </a:r>
+            <a:r>
+              <a:rPr lang="en-US" dirty="0"/>
+              <a:t> from (</a:t>
+            </a:r>
+          </a:p>
+          <a:p>
+            <a:r>
+              <a:rPr lang="en-US" dirty="0"/>
+              <a:t>   select </a:t>
+            </a:r>
+            <a:r>
+              <a:rPr lang="en-US" dirty="0" err="1"/>
+              <a:t>yearofpublication</a:t>
+            </a:r>
+            <a:r>
+              <a:rPr lang="en-US" dirty="0"/>
+              <a:t>, </a:t>
+            </a:r>
+            <a:r>
+              <a:rPr lang="en-US" dirty="0" err="1"/>
+              <a:t>booktitle</a:t>
+            </a:r>
+            <a:r>
+              <a:rPr lang="en-US" dirty="0"/>
+              <a:t>, rank(</a:t>
+            </a:r>
+            <a:r>
+              <a:rPr lang="en-US" dirty="0" err="1"/>
+              <a:t>booktitle</a:t>
+            </a:r>
+            <a:r>
+              <a:rPr lang="en-US" dirty="0"/>
+              <a:t>) as </a:t>
+            </a:r>
+            <a:r>
+              <a:rPr lang="en-US" dirty="0" err="1"/>
+              <a:t>row_number</a:t>
+            </a:r>
+            <a:r>
+              <a:rPr lang="en-US" dirty="0"/>
+              <a:t> from(</a:t>
+            </a:r>
+          </a:p>
+          <a:p>
+            <a:r>
+              <a:rPr lang="en-US" dirty="0"/>
+              <a:t>      select *  from </a:t>
+            </a:r>
+            <a:r>
+              <a:rPr lang="en-US" dirty="0" err="1"/>
+              <a:t>bxdataset</a:t>
+            </a:r>
+            <a:r>
+              <a:rPr lang="en-US" dirty="0"/>
+              <a:t> where </a:t>
+            </a:r>
+            <a:r>
+              <a:rPr lang="en-US" dirty="0" err="1"/>
+              <a:t>yearofpublication</a:t>
+            </a:r>
+            <a:r>
+              <a:rPr lang="en-US" dirty="0"/>
+              <a:t> is not null</a:t>
+            </a:r>
+          </a:p>
+          <a:p>
+            <a:r>
+              <a:rPr lang="en-US" dirty="0"/>
+              <a:t>             distribute by </a:t>
+            </a:r>
+            <a:r>
+              <a:rPr lang="en-US" dirty="0" err="1"/>
+              <a:t>booktitle</a:t>
+            </a:r>
+            <a:endParaRPr lang="en-US" dirty="0"/>
+          </a:p>
+          <a:p>
+            <a:r>
+              <a:rPr lang="en-US" dirty="0"/>
+              <a:t>             sort by </a:t>
+            </a:r>
+            <a:r>
+              <a:rPr lang="en-US" dirty="0" err="1"/>
+              <a:t>booktitle</a:t>
+            </a:r>
+            <a:r>
+              <a:rPr lang="en-US" dirty="0"/>
+              <a:t>, </a:t>
+            </a:r>
+            <a:r>
+              <a:rPr lang="en-US" dirty="0" err="1"/>
+              <a:t>yearofpublication</a:t>
+            </a:r>
+            <a:endParaRPr lang="en-US" dirty="0"/>
+          </a:p>
+          <a:p>
+            <a:r>
+              <a:rPr lang="en-US" dirty="0"/>
+              <a:t>      ) A</a:t>
+            </a:r>
+          </a:p>
+          <a:p>
+            <a:r>
+              <a:rPr lang="en-US" dirty="0"/>
+              <a:t>   )B</a:t>
+            </a:r>
+          </a:p>
+          <a:p>
+            <a:r>
+              <a:rPr lang="en-US" dirty="0"/>
+              <a:t>where </a:t>
+            </a:r>
+            <a:r>
+              <a:rPr lang="en-US" dirty="0" err="1"/>
+              <a:t>row_number</a:t>
+            </a:r>
+            <a:r>
+              <a:rPr lang="en-US" dirty="0"/>
+              <a:t> &gt;5</a:t>
+            </a:r>
+            <a:r>
+              <a:rPr lang="en-US" dirty="0" smtClean="0"/>
+              <a:t>;</a:t>
+            </a:r>
+          </a:p>
+          <a:p>
+            <a:endParaRPr lang="en-US" dirty="0"/>
+          </a:p>
+          <a:p>
+            <a:r>
+              <a:rPr lang="en-US" dirty="0" smtClean="0"/>
+              <a:t>Run hive –f test3.sql</a:t>
+            </a:r>
+            <a:endParaRPr lang="en-US" dirty="0"/>
+          </a:p>
+        </p:txBody>
+      </p:sp>
+    </p:spTree>
+    <p:extLst>
+      <p:ext uri="{BB962C8B-B14F-4D97-AF65-F5344CB8AC3E}">
+        <p14:creationId xmlns:p14="http://schemas.microsoft.com/office/powerpoint/2010/main" val="222003774"/>
+      </p:ext>
+    </p:extLst>
+  </p:cSld>
+  <p:clrMapOvr>
+    <a:masterClrMapping/>
+  </p:clrMapOvr>
+</p:sld>
+</file>
+
+<file path=ppt/slides/slide14.xml><?xml version="1.0" encoding="utf-8"?>
+<p:sld xmlns:a="http://schemas.openxmlformats.org/drawingml/2006/main" xmlns:r="http://schemas.openxmlformats.org/officeDocument/2006/relationships" xmlns:p="http://schemas.openxmlformats.org/presentationml/2006/main">
+  <p:cSld>
+    <p:spTree>
+      <p:nvGrpSpPr>
+        <p:cNvPr id="1" name=""/>
+        <p:cNvGrpSpPr/>
+        <p:nvPr/>
+      </p:nvGrpSpPr>
+      <p:grpSpPr>
+        <a:xfrm>
+          <a:off x="0" y="0"/>
+          <a:ext cx="0" cy="0"/>
+          <a:chOff x="0" y="0"/>
+          <a:chExt cx="0" cy="0"/>
+        </a:xfrm>
+      </p:grpSpPr>
+      <p:sp>
+        <p:nvSpPr>
+          <p:cNvPr id="2" name="Title 1"/>
+          <p:cNvSpPr>
+            <a:spLocks noGrp="1"/>
+          </p:cNvSpPr>
+          <p:nvPr>
+            <p:ph type="title"/>
+          </p:nvPr>
+        </p:nvSpPr>
+        <p:spPr/>
+        <p:txBody>
+          <a:bodyPr/>
+          <a:lstStyle/>
+          <a:p>
+            <a:r>
+              <a:rPr lang="en-US" dirty="0" smtClean="0"/>
+              <a:t>Screenshot of output</a:t>
+            </a:r>
+            <a:endParaRPr lang="en-US" dirty="0"/>
+          </a:p>
+        </p:txBody>
+      </p:sp>
+      <p:pic>
+        <p:nvPicPr>
+          <p:cNvPr id="4" name="Content Placeholder 3" descr="Screen Shot 2013-11-04 at 1.37.08 PM.png"/>
+          <p:cNvPicPr>
+            <a:picLocks noGrp="1" noChangeAspect="1"/>
+          </p:cNvPicPr>
+          <p:nvPr>
+            <p:ph idx="1"/>
+          </p:nvPr>
+        </p:nvPicPr>
+        <p:blipFill>
+          <a:blip r:embed="rId2">
+            <a:extLst>
+              <a:ext uri="{28A0092B-C50C-407E-A947-70E740481C1C}">
+                <a14:useLocalDpi xmlns:a14="http://schemas.microsoft.com/office/drawing/2010/main" val="0"/>
+              </a:ext>
+            </a:extLst>
+          </a:blip>
+          <a:srcRect t="6003" b="6003"/>
+          <a:stretch>
+            <a:fillRect/>
+          </a:stretch>
+        </p:blipFill>
+        <p:spPr>
+          <a:xfrm>
+            <a:off x="180418" y="1600200"/>
+            <a:ext cx="8783246" cy="4830447"/>
+          </a:xfrm>
+        </p:spPr>
+      </p:pic>
+    </p:spTree>
+    <p:extLst>
+      <p:ext uri="{BB962C8B-B14F-4D97-AF65-F5344CB8AC3E}">
+        <p14:creationId xmlns:p14="http://schemas.microsoft.com/office/powerpoint/2010/main" val="538781184"/>
+      </p:ext>
+    </p:extLst>
+  </p:cSld>
+  <p:clrMapOvr>
+    <a:masterClrMapping/>
+  </p:clrMapOvr>
+</p:sld>
+</file>
+
+<file path=ppt/slides/slide15.xml><?xml version="1.0" encoding="utf-8"?>
 <p:sld xmlns:a="http://schemas.openxmlformats.org/drawingml/2006/main" xmlns:r="http://schemas.openxmlformats.org/officeDocument/2006/relationships" xmlns:p="http://schemas.openxmlformats.org/presentationml/2006/main">
   <p:cSld>
     <p:spTree>

--- a/Mid-term slides.pptx
+++ b/Mid-term slides.pptx
@@ -11,15 +11,18 @@
     <p:sldId id="259" r:id="rId5"/>
     <p:sldId id="260" r:id="rId6"/>
     <p:sldId id="261" r:id="rId7"/>
-    <p:sldId id="262" r:id="rId8"/>
-    <p:sldId id="263" r:id="rId9"/>
-    <p:sldId id="264" r:id="rId10"/>
-    <p:sldId id="265" r:id="rId11"/>
-    <p:sldId id="267" r:id="rId12"/>
-    <p:sldId id="268" r:id="rId13"/>
-    <p:sldId id="269" r:id="rId14"/>
-    <p:sldId id="270" r:id="rId15"/>
-    <p:sldId id="266" r:id="rId16"/>
+    <p:sldId id="271" r:id="rId8"/>
+    <p:sldId id="272" r:id="rId9"/>
+    <p:sldId id="273" r:id="rId10"/>
+    <p:sldId id="262" r:id="rId11"/>
+    <p:sldId id="263" r:id="rId12"/>
+    <p:sldId id="264" r:id="rId13"/>
+    <p:sldId id="265" r:id="rId14"/>
+    <p:sldId id="267" r:id="rId15"/>
+    <p:sldId id="268" r:id="rId16"/>
+    <p:sldId id="269" r:id="rId17"/>
+    <p:sldId id="270" r:id="rId18"/>
+    <p:sldId id="266" r:id="rId19"/>
   </p:sldIdLst>
   <p:sldSz cx="9144000" cy="6858000" type="screen4x3"/>
   <p:notesSz cx="6858000" cy="9144000"/>
@@ -302,7 +305,7 @@
           <a:p>
             <a:fld id="{C69D412A-A227-C144-92FC-5A9CF66285DD}" type="datetimeFigureOut">
               <a:rPr lang="en-US" smtClean="0"/>
-              <a:t>11/4/13</a:t>
+              <a:t>11/5/13</a:t>
             </a:fld>
             <a:endParaRPr lang="en-US"/>
           </a:p>
@@ -472,7 +475,7 @@
           <a:p>
             <a:fld id="{C69D412A-A227-C144-92FC-5A9CF66285DD}" type="datetimeFigureOut">
               <a:rPr lang="en-US" smtClean="0"/>
-              <a:t>11/4/13</a:t>
+              <a:t>11/5/13</a:t>
             </a:fld>
             <a:endParaRPr lang="en-US"/>
           </a:p>
@@ -652,7 +655,7 @@
           <a:p>
             <a:fld id="{C69D412A-A227-C144-92FC-5A9CF66285DD}" type="datetimeFigureOut">
               <a:rPr lang="en-US" smtClean="0"/>
-              <a:t>11/4/13</a:t>
+              <a:t>11/5/13</a:t>
             </a:fld>
             <a:endParaRPr lang="en-US"/>
           </a:p>
@@ -822,7 +825,7 @@
           <a:p>
             <a:fld id="{C69D412A-A227-C144-92FC-5A9CF66285DD}" type="datetimeFigureOut">
               <a:rPr lang="en-US" smtClean="0"/>
-              <a:t>11/4/13</a:t>
+              <a:t>11/5/13</a:t>
             </a:fld>
             <a:endParaRPr lang="en-US"/>
           </a:p>
@@ -1068,7 +1071,7 @@
           <a:p>
             <a:fld id="{C69D412A-A227-C144-92FC-5A9CF66285DD}" type="datetimeFigureOut">
               <a:rPr lang="en-US" smtClean="0"/>
-              <a:t>11/4/13</a:t>
+              <a:t>11/5/13</a:t>
             </a:fld>
             <a:endParaRPr lang="en-US"/>
           </a:p>
@@ -1356,7 +1359,7 @@
           <a:p>
             <a:fld id="{C69D412A-A227-C144-92FC-5A9CF66285DD}" type="datetimeFigureOut">
               <a:rPr lang="en-US" smtClean="0"/>
-              <a:t>11/4/13</a:t>
+              <a:t>11/5/13</a:t>
             </a:fld>
             <a:endParaRPr lang="en-US"/>
           </a:p>
@@ -1778,7 +1781,7 @@
           <a:p>
             <a:fld id="{C69D412A-A227-C144-92FC-5A9CF66285DD}" type="datetimeFigureOut">
               <a:rPr lang="en-US" smtClean="0"/>
-              <a:t>11/4/13</a:t>
+              <a:t>11/5/13</a:t>
             </a:fld>
             <a:endParaRPr lang="en-US"/>
           </a:p>
@@ -1896,7 +1899,7 @@
           <a:p>
             <a:fld id="{C69D412A-A227-C144-92FC-5A9CF66285DD}" type="datetimeFigureOut">
               <a:rPr lang="en-US" smtClean="0"/>
-              <a:t>11/4/13</a:t>
+              <a:t>11/5/13</a:t>
             </a:fld>
             <a:endParaRPr lang="en-US"/>
           </a:p>
@@ -1991,7 +1994,7 @@
           <a:p>
             <a:fld id="{C69D412A-A227-C144-92FC-5A9CF66285DD}" type="datetimeFigureOut">
               <a:rPr lang="en-US" smtClean="0"/>
-              <a:t>11/4/13</a:t>
+              <a:t>11/5/13</a:t>
             </a:fld>
             <a:endParaRPr lang="en-US"/>
           </a:p>
@@ -2268,7 +2271,7 @@
           <a:p>
             <a:fld id="{C69D412A-A227-C144-92FC-5A9CF66285DD}" type="datetimeFigureOut">
               <a:rPr lang="en-US" smtClean="0"/>
-              <a:t>11/4/13</a:t>
+              <a:t>11/5/13</a:t>
             </a:fld>
             <a:endParaRPr lang="en-US"/>
           </a:p>
@@ -2521,7 +2524,7 @@
           <a:p>
             <a:fld id="{C69D412A-A227-C144-92FC-5A9CF66285DD}" type="datetimeFigureOut">
               <a:rPr lang="en-US" smtClean="0"/>
-              <a:t>11/4/13</a:t>
+              <a:t>11/5/13</a:t>
             </a:fld>
             <a:endParaRPr lang="en-US"/>
           </a:p>
@@ -2734,7 +2737,7 @@
           <a:p>
             <a:fld id="{C69D412A-A227-C144-92FC-5A9CF66285DD}" type="datetimeFigureOut">
               <a:rPr lang="en-US" smtClean="0"/>
-              <a:t>11/4/13</a:t>
+              <a:t>11/5/13</a:t>
             </a:fld>
             <a:endParaRPr lang="en-US"/>
           </a:p>
@@ -3202,6 +3205,620 @@
       </p:grpSpPr>
       <p:sp>
         <p:nvSpPr>
+          <p:cNvPr id="2" name="Title 1"/>
+          <p:cNvSpPr>
+            <a:spLocks noGrp="1"/>
+          </p:cNvSpPr>
+          <p:nvPr>
+            <p:ph type="title"/>
+          </p:nvPr>
+        </p:nvSpPr>
+        <p:spPr/>
+        <p:txBody>
+          <a:bodyPr/>
+          <a:lstStyle/>
+          <a:p>
+            <a:r>
+              <a:rPr lang="en-US" dirty="0" smtClean="0"/>
+              <a:t>Play with Hive !</a:t>
+            </a:r>
+            <a:endParaRPr lang="en-US" dirty="0"/>
+          </a:p>
+        </p:txBody>
+      </p:sp>
+      <p:sp>
+        <p:nvSpPr>
+          <p:cNvPr id="3" name="Content Placeholder 2"/>
+          <p:cNvSpPr>
+            <a:spLocks noGrp="1"/>
+          </p:cNvSpPr>
+          <p:nvPr>
+            <p:ph idx="1"/>
+          </p:nvPr>
+        </p:nvSpPr>
+        <p:spPr/>
+        <p:txBody>
+          <a:bodyPr/>
+          <a:lstStyle/>
+          <a:p>
+            <a:r>
+              <a:rPr lang="en-US" dirty="0" smtClean="0"/>
+              <a:t>Datasets (CSV format) </a:t>
+            </a:r>
+          </a:p>
+          <a:p>
+            <a:r>
+              <a:rPr lang="en-US" dirty="0" smtClean="0"/>
+              <a:t>Each line:</a:t>
+            </a:r>
+          </a:p>
+          <a:p>
+            <a:r>
+              <a:rPr lang="en-US" dirty="0" smtClean="0"/>
+              <a:t>Books are identified by their respective ‘ISBN’;</a:t>
+            </a:r>
+          </a:p>
+          <a:p>
+            <a:r>
+              <a:rPr lang="en-US" i="1" dirty="0" smtClean="0"/>
+              <a:t>`Book-Title`</a:t>
+            </a:r>
+            <a:r>
+              <a:rPr lang="en-US" dirty="0"/>
+              <a:t>;</a:t>
+            </a:r>
+            <a:r>
+              <a:rPr lang="en-US" dirty="0" smtClean="0"/>
+              <a:t> </a:t>
+            </a:r>
+            <a:r>
+              <a:rPr lang="en-US" i="1" dirty="0" smtClean="0"/>
+              <a:t>`Book-Author`</a:t>
+            </a:r>
+            <a:r>
+              <a:rPr lang="en-US" dirty="0"/>
+              <a:t>;</a:t>
+            </a:r>
+            <a:r>
+              <a:rPr lang="en-US" dirty="0" smtClean="0"/>
+              <a:t> </a:t>
+            </a:r>
+            <a:r>
+              <a:rPr lang="en-US" i="1" dirty="0" smtClean="0"/>
+              <a:t>`Year-Of-Publication`</a:t>
+            </a:r>
+            <a:r>
+              <a:rPr lang="en-US" dirty="0"/>
+              <a:t>;</a:t>
+            </a:r>
+            <a:r>
+              <a:rPr lang="en-US" dirty="0" smtClean="0"/>
+              <a:t> </a:t>
+            </a:r>
+            <a:r>
+              <a:rPr lang="en-US" i="1" dirty="0" smtClean="0"/>
+              <a:t>`Publisher`; ‘Image-URL-S`</a:t>
+            </a:r>
+            <a:r>
+              <a:rPr lang="en-US" dirty="0"/>
+              <a:t>;</a:t>
+            </a:r>
+            <a:r>
+              <a:rPr lang="en-US" dirty="0" smtClean="0"/>
+              <a:t> </a:t>
+            </a:r>
+            <a:r>
+              <a:rPr lang="en-US" i="1" dirty="0" smtClean="0"/>
+              <a:t>`Image-URL-M`</a:t>
+            </a:r>
+            <a:r>
+              <a:rPr lang="en-US" dirty="0"/>
+              <a:t>;</a:t>
+            </a:r>
+            <a:r>
+              <a:rPr lang="en-US" dirty="0" smtClean="0"/>
+              <a:t> </a:t>
+            </a:r>
+            <a:r>
+              <a:rPr lang="en-US" i="1" dirty="0" smtClean="0"/>
+              <a:t>`Image-URL-L’</a:t>
+            </a:r>
+          </a:p>
+          <a:p>
+            <a:r>
+              <a:rPr lang="en-US" i="1" dirty="0" smtClean="0"/>
+              <a:t>Clean the format, make sure contents of each attribute can be identified by ‘;’</a:t>
+            </a:r>
+          </a:p>
+          <a:p>
+            <a:endParaRPr lang="en-US" i="1" dirty="0" smtClean="0"/>
+          </a:p>
+          <a:p>
+            <a:endParaRPr lang="en-US" i="1" dirty="0" smtClean="0"/>
+          </a:p>
+          <a:p>
+            <a:endParaRPr lang="en-US" dirty="0" smtClean="0"/>
+          </a:p>
+          <a:p>
+            <a:endParaRPr lang="en-US" dirty="0" smtClean="0"/>
+          </a:p>
+          <a:p>
+            <a:endParaRPr lang="en-US" dirty="0"/>
+          </a:p>
+        </p:txBody>
+      </p:sp>
+    </p:spTree>
+    <p:extLst>
+      <p:ext uri="{BB962C8B-B14F-4D97-AF65-F5344CB8AC3E}">
+        <p14:creationId xmlns:p14="http://schemas.microsoft.com/office/powerpoint/2010/main" val="1970981525"/>
+      </p:ext>
+    </p:extLst>
+  </p:cSld>
+  <p:clrMapOvr>
+    <a:masterClrMapping/>
+  </p:clrMapOvr>
+</p:sld>
+</file>
+
+<file path=ppt/slides/slide11.xml><?xml version="1.0" encoding="utf-8"?>
+<p:sld xmlns:a="http://schemas.openxmlformats.org/drawingml/2006/main" xmlns:r="http://schemas.openxmlformats.org/officeDocument/2006/relationships" xmlns:p="http://schemas.openxmlformats.org/presentationml/2006/main">
+  <p:cSld>
+    <p:spTree>
+      <p:nvGrpSpPr>
+        <p:cNvPr id="1" name=""/>
+        <p:cNvGrpSpPr/>
+        <p:nvPr/>
+      </p:nvGrpSpPr>
+      <p:grpSpPr>
+        <a:xfrm>
+          <a:off x="0" y="0"/>
+          <a:ext cx="0" cy="0"/>
+          <a:chOff x="0" y="0"/>
+          <a:chExt cx="0" cy="0"/>
+        </a:xfrm>
+      </p:grpSpPr>
+      <p:sp>
+        <p:nvSpPr>
+          <p:cNvPr id="2" name="Title 1"/>
+          <p:cNvSpPr>
+            <a:spLocks noGrp="1"/>
+          </p:cNvSpPr>
+          <p:nvPr>
+            <p:ph type="title"/>
+          </p:nvPr>
+        </p:nvSpPr>
+        <p:spPr/>
+        <p:txBody>
+          <a:bodyPr/>
+          <a:lstStyle/>
+          <a:p>
+            <a:r>
+              <a:rPr lang="en-US" dirty="0" smtClean="0"/>
+              <a:t>Procedures</a:t>
+            </a:r>
+            <a:endParaRPr lang="en-US" dirty="0"/>
+          </a:p>
+        </p:txBody>
+      </p:sp>
+      <p:sp>
+        <p:nvSpPr>
+          <p:cNvPr id="3" name="Content Placeholder 2"/>
+          <p:cNvSpPr>
+            <a:spLocks noGrp="1"/>
+          </p:cNvSpPr>
+          <p:nvPr>
+            <p:ph idx="1"/>
+          </p:nvPr>
+        </p:nvSpPr>
+        <p:spPr/>
+        <p:txBody>
+          <a:bodyPr/>
+          <a:lstStyle/>
+          <a:p>
+            <a:r>
+              <a:rPr lang="en-US" dirty="0" smtClean="0"/>
+              <a:t>Download hive-0.12.0.tar.gz from apache mirror</a:t>
+            </a:r>
+          </a:p>
+          <a:p>
+            <a:r>
+              <a:rPr lang="en-US" dirty="0" smtClean="0"/>
+              <a:t>Extract the tar file and set up </a:t>
+            </a:r>
+            <a:r>
+              <a:rPr lang="en-US" dirty="0" err="1" smtClean="0"/>
+              <a:t>hadoop</a:t>
+            </a:r>
+            <a:r>
+              <a:rPr lang="en-US" dirty="0" smtClean="0"/>
+              <a:t> environment</a:t>
+            </a:r>
+          </a:p>
+          <a:p>
+            <a:r>
+              <a:rPr lang="en-US" dirty="0" smtClean="0"/>
+              <a:t>Run command:</a:t>
+            </a:r>
+          </a:p>
+          <a:p>
+            <a:r>
+              <a:rPr lang="en-US" dirty="0" smtClean="0"/>
+              <a:t>-start-</a:t>
+            </a:r>
+            <a:r>
+              <a:rPr lang="en-US" dirty="0" err="1" smtClean="0"/>
+              <a:t>all.sh</a:t>
+            </a:r>
+            <a:endParaRPr lang="en-US" dirty="0" smtClean="0"/>
+          </a:p>
+          <a:p>
+            <a:r>
+              <a:rPr lang="en-US" dirty="0" smtClean="0"/>
+              <a:t>Copy the dataset from local to </a:t>
+            </a:r>
+            <a:r>
+              <a:rPr lang="en-US" dirty="0" err="1" smtClean="0"/>
+              <a:t>hadoop</a:t>
+            </a:r>
+            <a:r>
+              <a:rPr lang="en-US" dirty="0" smtClean="0"/>
+              <a:t> </a:t>
+            </a:r>
+            <a:r>
+              <a:rPr lang="en-US" dirty="0" err="1" smtClean="0"/>
+              <a:t>hdfs</a:t>
+            </a:r>
+            <a:r>
+              <a:rPr lang="en-US" dirty="0" smtClean="0"/>
+              <a:t> location</a:t>
+            </a:r>
+            <a:endParaRPr lang="en-US" dirty="0"/>
+          </a:p>
+          <a:p>
+            <a:endParaRPr lang="en-US" dirty="0" smtClean="0"/>
+          </a:p>
+          <a:p>
+            <a:endParaRPr lang="en-US" dirty="0"/>
+          </a:p>
+        </p:txBody>
+      </p:sp>
+    </p:spTree>
+    <p:extLst>
+      <p:ext uri="{BB962C8B-B14F-4D97-AF65-F5344CB8AC3E}">
+        <p14:creationId xmlns:p14="http://schemas.microsoft.com/office/powerpoint/2010/main" val="2676976124"/>
+      </p:ext>
+    </p:extLst>
+  </p:cSld>
+  <p:clrMapOvr>
+    <a:masterClrMapping/>
+  </p:clrMapOvr>
+</p:sld>
+</file>
+
+<file path=ppt/slides/slide12.xml><?xml version="1.0" encoding="utf-8"?>
+<p:sld xmlns:a="http://schemas.openxmlformats.org/drawingml/2006/main" xmlns:r="http://schemas.openxmlformats.org/officeDocument/2006/relationships" xmlns:p="http://schemas.openxmlformats.org/presentationml/2006/main">
+  <p:cSld>
+    <p:spTree>
+      <p:nvGrpSpPr>
+        <p:cNvPr id="1" name=""/>
+        <p:cNvGrpSpPr/>
+        <p:nvPr/>
+      </p:nvGrpSpPr>
+      <p:grpSpPr>
+        <a:xfrm>
+          <a:off x="0" y="0"/>
+          <a:ext cx="0" cy="0"/>
+          <a:chOff x="0" y="0"/>
+          <a:chExt cx="0" cy="0"/>
+        </a:xfrm>
+      </p:grpSpPr>
+      <p:sp>
+        <p:nvSpPr>
+          <p:cNvPr id="3" name="Content Placeholder 2"/>
+          <p:cNvSpPr>
+            <a:spLocks noGrp="1"/>
+          </p:cNvSpPr>
+          <p:nvPr>
+            <p:ph idx="1"/>
+          </p:nvPr>
+        </p:nvSpPr>
+        <p:spPr>
+          <a:xfrm>
+            <a:off x="326948" y="607112"/>
+            <a:ext cx="8464967" cy="6055525"/>
+          </a:xfrm>
+        </p:spPr>
+        <p:txBody>
+          <a:bodyPr>
+            <a:normAutofit fontScale="40000" lnSpcReduction="20000"/>
+          </a:bodyPr>
+          <a:lstStyle/>
+          <a:p>
+            <a:r>
+              <a:rPr lang="en-US" sz="5000" dirty="0" smtClean="0"/>
+              <a:t>Run hive and create table for datasets</a:t>
+            </a:r>
+          </a:p>
+          <a:p>
+            <a:r>
+              <a:rPr lang="en-US" sz="5000" dirty="0" smtClean="0"/>
+              <a:t>$hive</a:t>
+            </a:r>
+          </a:p>
+          <a:p>
+            <a:endParaRPr lang="en-US" sz="5000" dirty="0" smtClean="0"/>
+          </a:p>
+          <a:p>
+            <a:r>
+              <a:rPr lang="en-US" sz="5000" dirty="0"/>
+              <a:t>hive&gt; </a:t>
+            </a:r>
+            <a:r>
+              <a:rPr lang="en-US" sz="5000" b="1" dirty="0"/>
+              <a:t>CREATE TABLE IF NOT EXISTS </a:t>
+            </a:r>
+            <a:r>
+              <a:rPr lang="en-US" sz="5000" b="1" dirty="0" err="1"/>
+              <a:t>BXDataSet</a:t>
+            </a:r>
+            <a:r>
+              <a:rPr lang="en-US" sz="5000" dirty="0"/>
+              <a:t> </a:t>
+            </a:r>
+            <a:r>
+              <a:rPr lang="en-US" sz="5000" dirty="0" smtClean="0"/>
+              <a:t> </a:t>
+            </a:r>
+          </a:p>
+          <a:p>
+            <a:r>
+              <a:rPr lang="en-US" sz="5000" dirty="0"/>
+              <a:t>    &gt;   (ISBN STRING, </a:t>
+            </a:r>
+            <a:r>
+              <a:rPr lang="en-US" sz="5000" dirty="0" smtClean="0"/>
+              <a:t> </a:t>
+            </a:r>
+          </a:p>
+          <a:p>
+            <a:r>
+              <a:rPr lang="en-US" sz="5000" dirty="0"/>
+              <a:t>    &gt;   </a:t>
+            </a:r>
+            <a:r>
+              <a:rPr lang="en-US" sz="5000" dirty="0" err="1"/>
+              <a:t>BookTitle</a:t>
+            </a:r>
+            <a:r>
+              <a:rPr lang="en-US" sz="5000" dirty="0"/>
+              <a:t> STRING, </a:t>
+            </a:r>
+            <a:r>
+              <a:rPr lang="en-US" sz="5000" dirty="0" smtClean="0"/>
+              <a:t> </a:t>
+            </a:r>
+          </a:p>
+          <a:p>
+            <a:r>
+              <a:rPr lang="en-US" sz="5000" dirty="0"/>
+              <a:t>    &gt;   </a:t>
+            </a:r>
+            <a:r>
+              <a:rPr lang="en-US" sz="5000" dirty="0" err="1"/>
+              <a:t>BookAuthor</a:t>
+            </a:r>
+            <a:r>
+              <a:rPr lang="en-US" sz="5000" dirty="0"/>
+              <a:t> STRING, </a:t>
+            </a:r>
+            <a:r>
+              <a:rPr lang="en-US" sz="5000" dirty="0" smtClean="0"/>
+              <a:t> </a:t>
+            </a:r>
+          </a:p>
+          <a:p>
+            <a:r>
+              <a:rPr lang="en-US" sz="5000" dirty="0"/>
+              <a:t>    &gt;   </a:t>
+            </a:r>
+            <a:r>
+              <a:rPr lang="en-US" sz="5000" dirty="0" err="1"/>
+              <a:t>YearOfPublication</a:t>
+            </a:r>
+            <a:r>
+              <a:rPr lang="en-US" sz="5000" dirty="0"/>
+              <a:t> STRING, </a:t>
+            </a:r>
+            <a:r>
+              <a:rPr lang="en-US" sz="5000" dirty="0" smtClean="0"/>
+              <a:t> </a:t>
+            </a:r>
+          </a:p>
+          <a:p>
+            <a:r>
+              <a:rPr lang="en-US" sz="5000" dirty="0"/>
+              <a:t>    &gt;   Publisher STRING, </a:t>
+            </a:r>
+            <a:r>
+              <a:rPr lang="en-US" sz="5000" dirty="0" smtClean="0"/>
+              <a:t> </a:t>
+            </a:r>
+          </a:p>
+          <a:p>
+            <a:r>
+              <a:rPr lang="en-US" sz="5000" dirty="0"/>
+              <a:t>    &gt;   </a:t>
+            </a:r>
+            <a:r>
+              <a:rPr lang="en-US" sz="5000" dirty="0" err="1"/>
+              <a:t>ImageURLS</a:t>
+            </a:r>
+            <a:r>
+              <a:rPr lang="en-US" sz="5000" dirty="0"/>
+              <a:t> STRING, </a:t>
+            </a:r>
+            <a:r>
+              <a:rPr lang="en-US" sz="5000" dirty="0" smtClean="0"/>
+              <a:t> </a:t>
+            </a:r>
+          </a:p>
+          <a:p>
+            <a:r>
+              <a:rPr lang="en-US" sz="5000" dirty="0"/>
+              <a:t>    &gt;   </a:t>
+            </a:r>
+            <a:r>
+              <a:rPr lang="en-US" sz="5000" dirty="0" err="1"/>
+              <a:t>ImageURLM</a:t>
+            </a:r>
+            <a:r>
+              <a:rPr lang="en-US" sz="5000" dirty="0"/>
+              <a:t> STRING, </a:t>
+            </a:r>
+            <a:r>
+              <a:rPr lang="en-US" sz="5000" dirty="0" smtClean="0"/>
+              <a:t> </a:t>
+            </a:r>
+          </a:p>
+          <a:p>
+            <a:r>
+              <a:rPr lang="en-US" sz="5000" dirty="0"/>
+              <a:t>    &gt;   </a:t>
+            </a:r>
+            <a:r>
+              <a:rPr lang="en-US" sz="5000" dirty="0" err="1"/>
+              <a:t>ImageURLL</a:t>
+            </a:r>
+            <a:r>
+              <a:rPr lang="en-US" sz="5000" dirty="0"/>
+              <a:t> STRING) </a:t>
+            </a:r>
+            <a:r>
+              <a:rPr lang="en-US" sz="5000" dirty="0" smtClean="0"/>
+              <a:t> </a:t>
+            </a:r>
+          </a:p>
+          <a:p>
+            <a:r>
+              <a:rPr lang="en-US" sz="5000" dirty="0"/>
+              <a:t>    &gt; COMMENT 'BX-Books Table'</a:t>
+            </a:r>
+            <a:r>
+              <a:rPr lang="en-US" sz="5000" dirty="0" smtClean="0"/>
+              <a:t> </a:t>
+            </a:r>
+          </a:p>
+          <a:p>
+            <a:r>
+              <a:rPr lang="en-US" sz="5000" dirty="0"/>
+              <a:t>    &gt; ROW FORMAT DELIMITED  </a:t>
+            </a:r>
+            <a:r>
+              <a:rPr lang="en-US" sz="5000" dirty="0" smtClean="0"/>
+              <a:t> </a:t>
+            </a:r>
+          </a:p>
+          <a:p>
+            <a:r>
+              <a:rPr lang="en-US" sz="5000" dirty="0"/>
+              <a:t>    &gt; FIELDS TERMINATED BY </a:t>
+            </a:r>
+            <a:r>
+              <a:rPr lang="en-US" sz="5000" dirty="0" smtClean="0"/>
+              <a:t>’\;</a:t>
+            </a:r>
+            <a:r>
+              <a:rPr lang="en-US" sz="5000" dirty="0"/>
+              <a:t>' </a:t>
+            </a:r>
+            <a:r>
+              <a:rPr lang="en-US" sz="5000" dirty="0" smtClean="0"/>
+              <a:t> </a:t>
+            </a:r>
+          </a:p>
+          <a:p>
+            <a:r>
+              <a:rPr lang="en-US" sz="5000" dirty="0"/>
+              <a:t>    &gt; STORED AS TEXTFILE;</a:t>
+            </a:r>
+            <a:r>
+              <a:rPr lang="en-US" sz="5000" dirty="0" smtClean="0"/>
+              <a:t> </a:t>
+            </a:r>
+          </a:p>
+          <a:p>
+            <a:endParaRPr lang="en-US" sz="5000" dirty="0"/>
+          </a:p>
+          <a:p>
+            <a:r>
+              <a:rPr lang="en-US" sz="5000" dirty="0" smtClean="0"/>
+              <a:t>hive</a:t>
+            </a:r>
+            <a:r>
+              <a:rPr lang="en-US" sz="5000" dirty="0"/>
+              <a:t>&gt; LOAD DATA INPATH </a:t>
+            </a:r>
+            <a:r>
+              <a:rPr lang="en-US" sz="5000" dirty="0" smtClean="0"/>
+              <a:t>’file location' </a:t>
+            </a:r>
+            <a:r>
+              <a:rPr lang="en-US" sz="5000" dirty="0"/>
+              <a:t>OVERWRITE INTO TABLE </a:t>
+            </a:r>
+            <a:r>
+              <a:rPr lang="en-US" sz="5000" dirty="0" err="1"/>
+              <a:t>BXDataSet</a:t>
+            </a:r>
+            <a:r>
+              <a:rPr lang="en-US" sz="5000" dirty="0"/>
+              <a:t>;</a:t>
+            </a:r>
+            <a:endParaRPr lang="en-US" sz="5000" dirty="0" smtClean="0"/>
+          </a:p>
+          <a:p>
+            <a:endParaRPr lang="en-US" dirty="0" smtClean="0"/>
+          </a:p>
+          <a:p>
+            <a:endParaRPr lang="en-US" dirty="0" smtClean="0"/>
+          </a:p>
+          <a:p>
+            <a:endParaRPr lang="en-US" dirty="0"/>
+          </a:p>
+        </p:txBody>
+      </p:sp>
+    </p:spTree>
+    <p:extLst>
+      <p:ext uri="{BB962C8B-B14F-4D97-AF65-F5344CB8AC3E}">
+        <p14:creationId xmlns:p14="http://schemas.microsoft.com/office/powerpoint/2010/main" val="3594254766"/>
+      </p:ext>
+    </p:extLst>
+  </p:cSld>
+  <p:clrMapOvr>
+    <a:masterClrMapping/>
+  </p:clrMapOvr>
+</p:sld>
+</file>
+
+<file path=ppt/slides/slide13.xml><?xml version="1.0" encoding="utf-8"?>
+<p:sld xmlns:a="http://schemas.openxmlformats.org/drawingml/2006/main" xmlns:r="http://schemas.openxmlformats.org/officeDocument/2006/relationships" xmlns:p="http://schemas.openxmlformats.org/presentationml/2006/main">
+  <p:cSld>
+    <p:spTree>
+      <p:nvGrpSpPr>
+        <p:cNvPr id="1" name=""/>
+        <p:cNvGrpSpPr/>
+        <p:nvPr/>
+      </p:nvGrpSpPr>
+      <p:grpSpPr>
+        <a:xfrm>
+          <a:off x="0" y="0"/>
+          <a:ext cx="0" cy="0"/>
+          <a:chOff x="0" y="0"/>
+          <a:chExt cx="0" cy="0"/>
+        </a:xfrm>
+      </p:grpSpPr>
+      <p:sp>
+        <p:nvSpPr>
           <p:cNvPr id="3" name="Content Placeholder 2"/>
           <p:cNvSpPr>
             <a:spLocks noGrp="1"/>
@@ -3334,7 +3951,7 @@
 </p:sld>
 </file>
 
-<file path=ppt/slides/slide11.xml><?xml version="1.0" encoding="utf-8"?>
+<file path=ppt/slides/slide14.xml><?xml version="1.0" encoding="utf-8"?>
 <p:sld xmlns:a="http://schemas.openxmlformats.org/drawingml/2006/main" xmlns:r="http://schemas.openxmlformats.org/officeDocument/2006/relationships" xmlns:p="http://schemas.openxmlformats.org/presentationml/2006/main">
   <p:cSld>
     <p:spTree>
@@ -3375,11 +3992,7 @@
           <a:p>
             <a:r>
               <a:rPr lang="en-US" sz="1800" dirty="0" smtClean="0"/>
-              <a:t>Only show years when total books # published are bigger than </a:t>
-            </a:r>
-            <a:r>
-              <a:rPr lang="en-US" sz="1800" dirty="0" smtClean="0"/>
-              <a:t>1000</a:t>
+              <a:t>Only show years when total books # published are bigger than 1000</a:t>
             </a:r>
           </a:p>
           <a:p>
@@ -3497,7 +4110,7 @@
 </p:sld>
 </file>
 
-<file path=ppt/slides/slide12.xml><?xml version="1.0" encoding="utf-8"?>
+<file path=ppt/slides/slide15.xml><?xml version="1.0" encoding="utf-8"?>
 <p:sld xmlns:a="http://schemas.openxmlformats.org/drawingml/2006/main" xmlns:r="http://schemas.openxmlformats.org/officeDocument/2006/relationships" xmlns:p="http://schemas.openxmlformats.org/presentationml/2006/main">
   <p:cSld>
     <p:spTree>
@@ -3580,7 +4193,7 @@
 </p:sld>
 </file>
 
-<file path=ppt/slides/slide13.xml><?xml version="1.0" encoding="utf-8"?>
+<file path=ppt/slides/slide16.xml><?xml version="1.0" encoding="utf-8"?>
 <p:sld xmlns:a="http://schemas.openxmlformats.org/drawingml/2006/main" xmlns:r="http://schemas.openxmlformats.org/officeDocument/2006/relationships" xmlns:p="http://schemas.openxmlformats.org/presentationml/2006/main">
   <p:cSld>
     <p:spTree>
@@ -3847,7 +4460,7 @@
 </p:sld>
 </file>
 
-<file path=ppt/slides/slide14.xml><?xml version="1.0" encoding="utf-8"?>
+<file path=ppt/slides/slide17.xml><?xml version="1.0" encoding="utf-8"?>
 <p:sld xmlns:a="http://schemas.openxmlformats.org/drawingml/2006/main" xmlns:r="http://schemas.openxmlformats.org/officeDocument/2006/relationships" xmlns:p="http://schemas.openxmlformats.org/presentationml/2006/main">
   <p:cSld>
     <p:spTree>
@@ -3930,7 +4543,7 @@
 </p:sld>
 </file>
 
-<file path=ppt/slides/slide15.xml><?xml version="1.0" encoding="utf-8"?>
+<file path=ppt/slides/slide18.xml><?xml version="1.0" encoding="utf-8"?>
 <p:sld xmlns:a="http://schemas.openxmlformats.org/drawingml/2006/main" xmlns:r="http://schemas.openxmlformats.org/officeDocument/2006/relationships" xmlns:p="http://schemas.openxmlformats.org/presentationml/2006/main">
   <p:cSld>
     <p:spTree>
@@ -4645,8 +5258,12 @@
               <a:t>    – </a:t>
             </a:r>
             <a:r>
-              <a:rPr lang="en-US" dirty="0"/>
-              <a:t>Also, list: map (for JSON-like data) </a:t>
+              <a:rPr lang="en-US" dirty="0" smtClean="0"/>
+              <a:t>Also </a:t>
+            </a:r>
+            <a:r>
+              <a:rPr lang="en-US" dirty="0"/>
+              <a:t>list: map (for JSON-like data) </a:t>
             </a:r>
             <a:endParaRPr lang="en-US" dirty="0" smtClean="0"/>
           </a:p>
@@ -4944,137 +5561,46 @@
           <a:p>
             <a:r>
               <a:rPr lang="en-US" dirty="0" smtClean="0"/>
-              <a:t>Play with Hive !</a:t>
+              <a:t>Hive Architecture</a:t>
             </a:r>
             <a:endParaRPr lang="en-US" dirty="0"/>
           </a:p>
         </p:txBody>
       </p:sp>
-      <p:sp>
-        <p:nvSpPr>
-          <p:cNvPr id="3" name="Content Placeholder 2"/>
-          <p:cNvSpPr>
-            <a:spLocks noGrp="1"/>
-          </p:cNvSpPr>
+      <p:pic>
+        <p:nvPicPr>
+          <p:cNvPr id="4" name="Content Placeholder 3" descr="slide-13-728.jpg"/>
+          <p:cNvPicPr>
+            <a:picLocks noGrp="1" noChangeAspect="1"/>
+          </p:cNvPicPr>
           <p:nvPr>
             <p:ph idx="1"/>
           </p:nvPr>
-        </p:nvSpPr>
-        <p:spPr/>
-        <p:txBody>
-          <a:bodyPr/>
-          <a:lstStyle/>
-          <a:p>
-            <a:r>
-              <a:rPr lang="en-US" dirty="0" smtClean="0"/>
-              <a:t>Datasets (CSV format) </a:t>
-            </a:r>
-          </a:p>
-          <a:p>
-            <a:r>
-              <a:rPr lang="en-US" dirty="0" smtClean="0"/>
-              <a:t>Each line:</a:t>
-            </a:r>
-          </a:p>
-          <a:p>
-            <a:r>
-              <a:rPr lang="en-US" dirty="0" smtClean="0"/>
-              <a:t>Books are identified by their respective ‘ISBN’;</a:t>
-            </a:r>
-          </a:p>
-          <a:p>
-            <a:r>
-              <a:rPr lang="en-US" i="1" dirty="0" smtClean="0"/>
-              <a:t>`Book-Title`</a:t>
-            </a:r>
-            <a:r>
-              <a:rPr lang="en-US" dirty="0"/>
-              <a:t>;</a:t>
-            </a:r>
-            <a:r>
-              <a:rPr lang="en-US" dirty="0" smtClean="0"/>
-              <a:t> </a:t>
-            </a:r>
-            <a:r>
-              <a:rPr lang="en-US" i="1" dirty="0" smtClean="0"/>
-              <a:t>`Book-Author`</a:t>
-            </a:r>
-            <a:r>
-              <a:rPr lang="en-US" dirty="0"/>
-              <a:t>;</a:t>
-            </a:r>
-            <a:r>
-              <a:rPr lang="en-US" dirty="0" smtClean="0"/>
-              <a:t> </a:t>
-            </a:r>
-            <a:r>
-              <a:rPr lang="en-US" i="1" dirty="0" smtClean="0"/>
-              <a:t>`Year-Of-Publication`</a:t>
-            </a:r>
-            <a:r>
-              <a:rPr lang="en-US" dirty="0"/>
-              <a:t>;</a:t>
-            </a:r>
-            <a:r>
-              <a:rPr lang="en-US" dirty="0" smtClean="0"/>
-              <a:t> </a:t>
-            </a:r>
-            <a:r>
-              <a:rPr lang="en-US" i="1" dirty="0" smtClean="0"/>
-              <a:t>`Publisher`; ‘Image-URL-S`</a:t>
-            </a:r>
-            <a:r>
-              <a:rPr lang="en-US" dirty="0"/>
-              <a:t>;</a:t>
-            </a:r>
-            <a:r>
-              <a:rPr lang="en-US" dirty="0" smtClean="0"/>
-              <a:t> </a:t>
-            </a:r>
-            <a:r>
-              <a:rPr lang="en-US" i="1" dirty="0" smtClean="0"/>
-              <a:t>`Image-URL-M`</a:t>
-            </a:r>
-            <a:r>
-              <a:rPr lang="en-US" dirty="0"/>
-              <a:t>;</a:t>
-            </a:r>
-            <a:r>
-              <a:rPr lang="en-US" dirty="0" smtClean="0"/>
-              <a:t> </a:t>
-            </a:r>
-            <a:r>
-              <a:rPr lang="en-US" i="1" dirty="0" smtClean="0"/>
-              <a:t>`Image-URL-L’</a:t>
-            </a:r>
-          </a:p>
-          <a:p>
-            <a:r>
-              <a:rPr lang="en-US" i="1" dirty="0" smtClean="0"/>
-              <a:t>Clean the format, make sure contents of each attribute can be identified by ‘;’</a:t>
-            </a:r>
-          </a:p>
-          <a:p>
-            <a:endParaRPr lang="en-US" i="1" dirty="0" smtClean="0"/>
-          </a:p>
-          <a:p>
-            <a:endParaRPr lang="en-US" i="1" dirty="0" smtClean="0"/>
-          </a:p>
-          <a:p>
-            <a:endParaRPr lang="en-US" dirty="0" smtClean="0"/>
-          </a:p>
-          <a:p>
-            <a:endParaRPr lang="en-US" dirty="0" smtClean="0"/>
-          </a:p>
-          <a:p>
-            <a:endParaRPr lang="en-US" dirty="0"/>
-          </a:p>
-        </p:txBody>
-      </p:sp>
+        </p:nvPicPr>
+        <p:blipFill>
+          <a:blip r:embed="rId2">
+            <a:extLst>
+              <a:ext uri="{28A0092B-C50C-407E-A947-70E740481C1C}">
+                <a14:useLocalDpi xmlns:a14="http://schemas.microsoft.com/office/drawing/2010/main" val="0"/>
+              </a:ext>
+            </a:extLst>
+          </a:blip>
+          <a:srcRect t="6003" b="6003"/>
+          <a:stretch>
+            <a:fillRect/>
+          </a:stretch>
+        </p:blipFill>
+        <p:spPr>
+          <a:xfrm>
+            <a:off x="1" y="1417638"/>
+            <a:ext cx="9129090" cy="5208371"/>
+          </a:xfrm>
+        </p:spPr>
+      </p:pic>
     </p:spTree>
     <p:extLst>
       <p:ext uri="{BB962C8B-B14F-4D97-AF65-F5344CB8AC3E}">
-        <p14:creationId xmlns:p14="http://schemas.microsoft.com/office/powerpoint/2010/main" val="1970981525"/>
+        <p14:creationId xmlns:p14="http://schemas.microsoft.com/office/powerpoint/2010/main" val="1403951935"/>
       </p:ext>
     </p:extLst>
   </p:cSld>
@@ -5116,100 +5642,44 @@
           <a:bodyPr/>
           <a:lstStyle/>
           <a:p>
-            <a:r>
-              <a:rPr lang="en-US" dirty="0" smtClean="0"/>
-              <a:t>Procedures</a:t>
-            </a:r>
             <a:endParaRPr lang="en-US" dirty="0"/>
           </a:p>
         </p:txBody>
       </p:sp>
-      <p:sp>
-        <p:nvSpPr>
-          <p:cNvPr id="3" name="Content Placeholder 2"/>
-          <p:cNvSpPr>
-            <a:spLocks noGrp="1"/>
-          </p:cNvSpPr>
+      <p:pic>
+        <p:nvPicPr>
+          <p:cNvPr id="6" name="Content Placeholder 5" descr="slide-18-728.jpg"/>
+          <p:cNvPicPr>
+            <a:picLocks noGrp="1" noChangeAspect="1"/>
+          </p:cNvPicPr>
           <p:nvPr>
             <p:ph idx="1"/>
           </p:nvPr>
-        </p:nvSpPr>
-        <p:spPr/>
-        <p:txBody>
-          <a:bodyPr/>
-          <a:lstStyle/>
-          <a:p>
-            <a:r>
-              <a:rPr lang="en-US" dirty="0" smtClean="0"/>
-              <a:t>Download hive-0.12.0.tar.gz from apache mirror</a:t>
-            </a:r>
-          </a:p>
-          <a:p>
-            <a:r>
-              <a:rPr lang="en-US" dirty="0" smtClean="0"/>
-              <a:t>Extract the tar file and set up </a:t>
-            </a:r>
-            <a:r>
-              <a:rPr lang="en-US" dirty="0" err="1" smtClean="0"/>
-              <a:t>hadoop</a:t>
-            </a:r>
-            <a:r>
-              <a:rPr lang="en-US" dirty="0" smtClean="0"/>
-              <a:t> environment</a:t>
-            </a:r>
-          </a:p>
-          <a:p>
-            <a:r>
-              <a:rPr lang="en-US" dirty="0" smtClean="0"/>
-              <a:t>Run command:</a:t>
-            </a:r>
-          </a:p>
-          <a:p>
-            <a:r>
-              <a:rPr lang="en-US" dirty="0" smtClean="0"/>
-              <a:t>-start-</a:t>
-            </a:r>
-            <a:r>
-              <a:rPr lang="en-US" dirty="0" err="1" smtClean="0"/>
-              <a:t>all.sh</a:t>
-            </a:r>
-            <a:endParaRPr lang="en-US" dirty="0" smtClean="0"/>
-          </a:p>
-          <a:p>
-            <a:r>
-              <a:rPr lang="en-US" dirty="0" smtClean="0"/>
-              <a:t>Copy the dataset from local to </a:t>
-            </a:r>
-            <a:r>
-              <a:rPr lang="en-US" dirty="0" err="1" smtClean="0"/>
-              <a:t>hadoop</a:t>
-            </a:r>
-            <a:r>
-              <a:rPr lang="en-US" dirty="0" smtClean="0"/>
-              <a:t> </a:t>
-            </a:r>
-            <a:r>
-              <a:rPr lang="en-US" dirty="0" err="1" smtClean="0"/>
-              <a:t>hdfs</a:t>
-            </a:r>
-            <a:r>
-              <a:rPr lang="en-US" dirty="0" smtClean="0"/>
-              <a:t> location</a:t>
-            </a:r>
-            <a:endParaRPr lang="en-US" dirty="0"/>
-          </a:p>
-          <a:p>
-            <a:endParaRPr lang="en-US" dirty="0" smtClean="0"/>
-          </a:p>
-          <a:p>
-            <a:endParaRPr lang="en-US" dirty="0"/>
-          </a:p>
-        </p:txBody>
-      </p:sp>
+        </p:nvPicPr>
+        <p:blipFill>
+          <a:blip r:embed="rId2">
+            <a:extLst>
+              <a:ext uri="{28A0092B-C50C-407E-A947-70E740481C1C}">
+                <a14:useLocalDpi xmlns:a14="http://schemas.microsoft.com/office/drawing/2010/main" val="0"/>
+              </a:ext>
+            </a:extLst>
+          </a:blip>
+          <a:srcRect t="6003" b="6003"/>
+          <a:stretch>
+            <a:fillRect/>
+          </a:stretch>
+        </p:blipFill>
+        <p:spPr>
+          <a:xfrm>
+            <a:off x="457200" y="1600200"/>
+            <a:ext cx="8229600" cy="4525963"/>
+          </a:xfrm>
+        </p:spPr>
+      </p:pic>
     </p:spTree>
     <p:extLst>
       <p:ext uri="{BB962C8B-B14F-4D97-AF65-F5344CB8AC3E}">
-        <p14:creationId xmlns:p14="http://schemas.microsoft.com/office/powerpoint/2010/main" val="2676976124"/>
+        <p14:creationId xmlns:p14="http://schemas.microsoft.com/office/powerpoint/2010/main" val="3405777820"/>
       </p:ext>
     </p:extLst>
   </p:cSld>
@@ -5238,283 +5708,52 @@
       </p:grpSpPr>
       <p:sp>
         <p:nvSpPr>
-          <p:cNvPr id="3" name="Content Placeholder 2"/>
-          <p:cNvSpPr>
-            <a:spLocks noGrp="1"/>
-          </p:cNvSpPr>
+          <p:cNvPr id="2" name="Title 1"/>
+          <p:cNvSpPr>
+            <a:spLocks noGrp="1"/>
+          </p:cNvSpPr>
+          <p:nvPr>
+            <p:ph type="title"/>
+          </p:nvPr>
+        </p:nvSpPr>
+        <p:spPr/>
+        <p:txBody>
+          <a:bodyPr/>
+          <a:lstStyle/>
+          <a:p>
+            <a:endParaRPr lang="en-US"/>
+          </a:p>
+        </p:txBody>
+      </p:sp>
+      <p:pic>
+        <p:nvPicPr>
+          <p:cNvPr id="4" name="Content Placeholder 3" descr="slide-19-728.jpg"/>
+          <p:cNvPicPr>
+            <a:picLocks noGrp="1" noChangeAspect="1"/>
+          </p:cNvPicPr>
           <p:nvPr>
             <p:ph idx="1"/>
           </p:nvPr>
-        </p:nvSpPr>
-        <p:spPr>
-          <a:xfrm>
-            <a:off x="326948" y="607112"/>
-            <a:ext cx="8464967" cy="6055525"/>
-          </a:xfrm>
-        </p:spPr>
-        <p:txBody>
-          <a:bodyPr>
-            <a:normAutofit fontScale="40000" lnSpcReduction="20000"/>
-          </a:bodyPr>
-          <a:lstStyle/>
-          <a:p>
-            <a:r>
-              <a:rPr lang="en-US" sz="5000" dirty="0" smtClean="0"/>
-              <a:t>Run hive and create table for datasets</a:t>
-            </a:r>
-          </a:p>
-          <a:p>
-            <a:r>
-              <a:rPr lang="en-US" sz="5000" dirty="0" smtClean="0"/>
-              <a:t>$hive</a:t>
-            </a:r>
-          </a:p>
-          <a:p>
-            <a:endParaRPr lang="en-US" sz="5000" dirty="0" smtClean="0"/>
-          </a:p>
-          <a:p>
-            <a:r>
-              <a:rPr lang="en-US" sz="5000" dirty="0"/>
-              <a:t>hive&gt; </a:t>
-            </a:r>
-            <a:r>
-              <a:rPr lang="en-US" sz="5000" b="1" dirty="0"/>
-              <a:t>CREATE TABLE IF NOT EXISTS </a:t>
-            </a:r>
-            <a:r>
-              <a:rPr lang="en-US" sz="5000" b="1" dirty="0" err="1"/>
-              <a:t>BXDataSet</a:t>
-            </a:r>
-            <a:r>
-              <a:rPr lang="en-US" sz="5000" dirty="0"/>
-              <a:t> </a:t>
-            </a:r>
-            <a:r>
-              <a:rPr lang="en-US" sz="5000" dirty="0" smtClean="0"/>
-              <a:t> </a:t>
-            </a:r>
-          </a:p>
-          <a:p>
-            <a:r>
-              <a:rPr lang="en-US" sz="5000" dirty="0"/>
-              <a:t>    &gt;   (ISBN STRING, </a:t>
-            </a:r>
-            <a:r>
-              <a:rPr lang="en-US" sz="5000" dirty="0" smtClean="0"/>
-              <a:t> </a:t>
-            </a:r>
-          </a:p>
-          <a:p>
-            <a:r>
-              <a:rPr lang="en-US" sz="5000" dirty="0"/>
-              <a:t>    &gt;   </a:t>
-            </a:r>
-            <a:r>
-              <a:rPr lang="en-US" sz="5000" dirty="0" err="1"/>
-              <a:t>BookTitle</a:t>
-            </a:r>
-            <a:r>
-              <a:rPr lang="en-US" sz="5000" dirty="0"/>
-              <a:t> STRING, </a:t>
-            </a:r>
-            <a:r>
-              <a:rPr lang="en-US" sz="5000" dirty="0" smtClean="0"/>
-              <a:t> </a:t>
-            </a:r>
-          </a:p>
-          <a:p>
-            <a:r>
-              <a:rPr lang="en-US" sz="5000" dirty="0"/>
-              <a:t>    &gt;   </a:t>
-            </a:r>
-            <a:r>
-              <a:rPr lang="en-US" sz="5000" dirty="0" err="1"/>
-              <a:t>BookAuthor</a:t>
-            </a:r>
-            <a:r>
-              <a:rPr lang="en-US" sz="5000" dirty="0"/>
-              <a:t> STRING, </a:t>
-            </a:r>
-            <a:r>
-              <a:rPr lang="en-US" sz="5000" dirty="0" smtClean="0"/>
-              <a:t> </a:t>
-            </a:r>
-          </a:p>
-          <a:p>
-            <a:r>
-              <a:rPr lang="en-US" sz="5000" dirty="0"/>
-              <a:t>    &gt;   </a:t>
-            </a:r>
-            <a:r>
-              <a:rPr lang="en-US" sz="5000" dirty="0" err="1"/>
-              <a:t>YearOfPublication</a:t>
-            </a:r>
-            <a:r>
-              <a:rPr lang="en-US" sz="5000" dirty="0"/>
-              <a:t> STRING, </a:t>
-            </a:r>
-            <a:r>
-              <a:rPr lang="en-US" sz="5000" dirty="0" smtClean="0"/>
-              <a:t> </a:t>
-            </a:r>
-          </a:p>
-          <a:p>
-            <a:r>
-              <a:rPr lang="en-US" sz="5000" dirty="0"/>
-              <a:t>    &gt;   Publisher STRING, </a:t>
-            </a:r>
-            <a:r>
-              <a:rPr lang="en-US" sz="5000" dirty="0" smtClean="0"/>
-              <a:t> </a:t>
-            </a:r>
-          </a:p>
-          <a:p>
-            <a:r>
-              <a:rPr lang="en-US" sz="5000" dirty="0"/>
-              <a:t>    &gt;   </a:t>
-            </a:r>
-            <a:r>
-              <a:rPr lang="en-US" sz="5000" dirty="0" err="1"/>
-              <a:t>ImageURLS</a:t>
-            </a:r>
-            <a:r>
-              <a:rPr lang="en-US" sz="5000" dirty="0"/>
-              <a:t> STRING, </a:t>
-            </a:r>
-            <a:r>
-              <a:rPr lang="en-US" sz="5000" dirty="0" smtClean="0"/>
-              <a:t> </a:t>
-            </a:r>
-          </a:p>
-          <a:p>
-            <a:r>
-              <a:rPr lang="en-US" sz="5000" dirty="0"/>
-              <a:t>    &gt;   </a:t>
-            </a:r>
-            <a:r>
-              <a:rPr lang="en-US" sz="5000" dirty="0" err="1"/>
-              <a:t>ImageURLM</a:t>
-            </a:r>
-            <a:r>
-              <a:rPr lang="en-US" sz="5000" dirty="0"/>
-              <a:t> STRING, </a:t>
-            </a:r>
-            <a:r>
-              <a:rPr lang="en-US" sz="5000" dirty="0" smtClean="0"/>
-              <a:t> </a:t>
-            </a:r>
-          </a:p>
-          <a:p>
-            <a:r>
-              <a:rPr lang="en-US" sz="5000" dirty="0"/>
-              <a:t>    &gt;   </a:t>
-            </a:r>
-            <a:r>
-              <a:rPr lang="en-US" sz="5000" dirty="0" err="1"/>
-              <a:t>ImageURLL</a:t>
-            </a:r>
-            <a:r>
-              <a:rPr lang="en-US" sz="5000" dirty="0"/>
-              <a:t> STRING) </a:t>
-            </a:r>
-            <a:r>
-              <a:rPr lang="en-US" sz="5000" dirty="0" smtClean="0"/>
-              <a:t> </a:t>
-            </a:r>
-          </a:p>
-          <a:p>
-            <a:r>
-              <a:rPr lang="en-US" sz="5000" dirty="0"/>
-              <a:t>    &gt; COMMENT 'BX-Books Table'</a:t>
-            </a:r>
-            <a:r>
-              <a:rPr lang="en-US" sz="5000" dirty="0" smtClean="0"/>
-              <a:t> </a:t>
-            </a:r>
-          </a:p>
-          <a:p>
-            <a:r>
-              <a:rPr lang="en-US" sz="5000" dirty="0"/>
-              <a:t>    &gt; ROW FORMAT DELIMITED  </a:t>
-            </a:r>
-            <a:r>
-              <a:rPr lang="en-US" sz="5000" dirty="0" smtClean="0"/>
-              <a:t> </a:t>
-            </a:r>
-          </a:p>
-          <a:p>
-            <a:r>
-              <a:rPr lang="en-US" sz="5000" dirty="0"/>
-              <a:t>    &gt; FIELDS TERMINATED BY </a:t>
-            </a:r>
-            <a:r>
-              <a:rPr lang="en-US" sz="5000" dirty="0" smtClean="0"/>
-              <a:t>’\;</a:t>
-            </a:r>
-            <a:r>
-              <a:rPr lang="en-US" sz="5000" dirty="0"/>
-              <a:t>' </a:t>
-            </a:r>
-            <a:r>
-              <a:rPr lang="en-US" sz="5000" dirty="0" smtClean="0"/>
-              <a:t> </a:t>
-            </a:r>
-          </a:p>
-          <a:p>
-            <a:r>
-              <a:rPr lang="en-US" sz="5000" dirty="0"/>
-              <a:t>    &gt; STORED AS TEXTFILE;</a:t>
-            </a:r>
-            <a:r>
-              <a:rPr lang="en-US" sz="5000" dirty="0" smtClean="0"/>
-              <a:t> </a:t>
-            </a:r>
-          </a:p>
-          <a:p>
-            <a:endParaRPr lang="en-US" sz="5000" dirty="0"/>
-          </a:p>
-          <a:p>
-            <a:r>
-              <a:rPr lang="en-US" sz="5000" dirty="0" smtClean="0"/>
-              <a:t>hive</a:t>
-            </a:r>
-            <a:r>
-              <a:rPr lang="en-US" sz="5000" dirty="0"/>
-              <a:t>&gt; LOAD DATA INPATH </a:t>
-            </a:r>
-            <a:r>
-              <a:rPr lang="en-US" sz="5000" dirty="0" smtClean="0"/>
-              <a:t>’file location' </a:t>
-            </a:r>
-            <a:r>
-              <a:rPr lang="en-US" sz="5000" dirty="0"/>
-              <a:t>OVERWRITE INTO TABLE </a:t>
-            </a:r>
-            <a:r>
-              <a:rPr lang="en-US" sz="5000" dirty="0" err="1"/>
-              <a:t>BXDataSet</a:t>
-            </a:r>
-            <a:r>
-              <a:rPr lang="en-US" sz="5000" dirty="0"/>
-              <a:t>;</a:t>
-            </a:r>
-            <a:endParaRPr lang="en-US" sz="5000" dirty="0" smtClean="0"/>
-          </a:p>
-          <a:p>
-            <a:endParaRPr lang="en-US" dirty="0" smtClean="0"/>
-          </a:p>
-          <a:p>
-            <a:endParaRPr lang="en-US" dirty="0" smtClean="0"/>
-          </a:p>
-          <a:p>
-            <a:endParaRPr lang="en-US" dirty="0"/>
-          </a:p>
-        </p:txBody>
-      </p:sp>
+        </p:nvPicPr>
+        <p:blipFill>
+          <a:blip r:embed="rId2">
+            <a:extLst>
+              <a:ext uri="{28A0092B-C50C-407E-A947-70E740481C1C}">
+                <a14:useLocalDpi xmlns:a14="http://schemas.microsoft.com/office/drawing/2010/main" val="0"/>
+              </a:ext>
+            </a:extLst>
+          </a:blip>
+          <a:srcRect t="6003" b="6003"/>
+          <a:stretch>
+            <a:fillRect/>
+          </a:stretch>
+        </p:blipFill>
+        <p:spPr/>
+      </p:pic>
     </p:spTree>
     <p:extLst>
       <p:ext uri="{BB962C8B-B14F-4D97-AF65-F5344CB8AC3E}">
-        <p14:creationId xmlns:p14="http://schemas.microsoft.com/office/powerpoint/2010/main" val="3594254766"/>
+        <p14:creationId xmlns:p14="http://schemas.microsoft.com/office/powerpoint/2010/main" val="3870548068"/>
       </p:ext>
     </p:extLst>
   </p:cSld>

--- a/Mid-term slides.pptx
+++ b/Mid-term slides.pptx
@@ -5255,11 +5255,7 @@
             </a:pPr>
             <a:r>
               <a:rPr lang="en-US" dirty="0" smtClean="0"/>
-              <a:t>    – </a:t>
-            </a:r>
-            <a:r>
-              <a:rPr lang="en-US" dirty="0" smtClean="0"/>
-              <a:t>Also </a:t>
+              <a:t>    – Also </a:t>
             </a:r>
             <a:r>
               <a:rPr lang="en-US" dirty="0"/>
@@ -5544,29 +5540,6 @@
           <a:chExt cx="0" cy="0"/>
         </a:xfrm>
       </p:grpSpPr>
-      <p:sp>
-        <p:nvSpPr>
-          <p:cNvPr id="2" name="Title 1"/>
-          <p:cNvSpPr>
-            <a:spLocks noGrp="1"/>
-          </p:cNvSpPr>
-          <p:nvPr>
-            <p:ph type="title"/>
-          </p:nvPr>
-        </p:nvSpPr>
-        <p:spPr/>
-        <p:txBody>
-          <a:bodyPr/>
-          <a:lstStyle/>
-          <a:p>
-            <a:r>
-              <a:rPr lang="en-US" dirty="0" smtClean="0"/>
-              <a:t>Hive Architecture</a:t>
-            </a:r>
-            <a:endParaRPr lang="en-US" dirty="0"/>
-          </a:p>
-        </p:txBody>
-      </p:sp>
       <p:pic>
         <p:nvPicPr>
           <p:cNvPr id="4" name="Content Placeholder 3" descr="slide-13-728.jpg"/>
@@ -5592,11 +5565,30 @@
         </p:blipFill>
         <p:spPr>
           <a:xfrm>
-            <a:off x="1" y="1417638"/>
-            <a:ext cx="9129090" cy="5208371"/>
+            <a:off x="1" y="879126"/>
+            <a:ext cx="9129090" cy="5746883"/>
           </a:xfrm>
         </p:spPr>
       </p:pic>
+      <p:sp>
+        <p:nvSpPr>
+          <p:cNvPr id="3" name="Title 2"/>
+          <p:cNvSpPr>
+            <a:spLocks noGrp="1"/>
+          </p:cNvSpPr>
+          <p:nvPr>
+            <p:ph type="title"/>
+          </p:nvPr>
+        </p:nvSpPr>
+        <p:spPr/>
+        <p:txBody>
+          <a:bodyPr/>
+          <a:lstStyle/>
+          <a:p>
+            <a:endParaRPr lang="en-US"/>
+          </a:p>
+        </p:txBody>
+      </p:sp>
     </p:spTree>
     <p:extLst>
       <p:ext uri="{BB962C8B-B14F-4D97-AF65-F5344CB8AC3E}">
